--- a/BIG DATA 231801044.pptx
+++ b/BIG DATA 231801044.pptx
@@ -1,33 +1,42 @@
 
 <file path=ppt/presentation.xml><?xml version="1.0" encoding="utf-8"?>
-<p:presentation xmlns:a="http://schemas.openxmlformats.org/drawingml/2006/main" xmlns:r="http://schemas.openxmlformats.org/officeDocument/2006/relationships" xmlns:p="http://schemas.openxmlformats.org/presentationml/2006/main">
+<p:presentation xmlns:a="http://schemas.openxmlformats.org/drawingml/2006/main" xmlns:r="http://schemas.openxmlformats.org/officeDocument/2006/relationships" xmlns:mc="http://schemas.openxmlformats.org/markup-compatibility/2006" xmlns:mv="urn:schemas-microsoft-com:mac:vml" xmlns:p="http://schemas.openxmlformats.org/presentationml/2006/main" xmlns:c="http://schemas.openxmlformats.org/drawingml/2006/chart" xmlns:dgm="http://schemas.openxmlformats.org/drawingml/2006/diagram" xmlns:o="urn:schemas-microsoft-com:office:office" xmlns:v="urn:schemas-microsoft-com:vml" xmlns:pvml="urn:schemas-microsoft-com:office:powerpoint" xmlns:com="http://schemas.openxmlformats.org/drawingml/2006/compatibility" xmlns:p14="http://schemas.microsoft.com/office/powerpoint/2010/main" xmlns:p15="http://schemas.microsoft.com/office/powerpoint/2012/main" xmlns:ahyp="http://schemas.microsoft.com/office/drawing/2018/hyperlinkcolor" autoCompressPictures="0" strictFirstAndLastChars="0" saveSubsetFonts="1">
   <p:sldMasterIdLst>
-    <p:sldMasterId id="2147483648" r:id="rId1"/>
+    <p:sldMasterId id="2147483648" r:id="rId4"/>
   </p:sldMasterIdLst>
   <p:sldIdLst>
-    <p:sldId id="256" r:id="rId2"/>
-    <p:sldId id="257" r:id="rId3"/>
-    <p:sldId id="258" r:id="rId4"/>
-    <p:sldId id="259" r:id="rId5"/>
-    <p:sldId id="260" r:id="rId6"/>
-    <p:sldId id="261" r:id="rId7"/>
-    <p:sldId id="262" r:id="rId8"/>
-    <p:sldId id="263" r:id="rId9"/>
-    <p:sldId id="264" r:id="rId10"/>
-    <p:sldId id="265" r:id="rId11"/>
-    <p:sldId id="266" r:id="rId12"/>
-    <p:sldId id="267" r:id="rId13"/>
+    <p:sldId id="256" r:id="rId5"/>
+    <p:sldId id="257" r:id="rId6"/>
+    <p:sldId id="258" r:id="rId7"/>
+    <p:sldId id="259" r:id="rId8"/>
+    <p:sldId id="260" r:id="rId9"/>
+    <p:sldId id="261" r:id="rId10"/>
+    <p:sldId id="262" r:id="rId11"/>
+    <p:sldId id="263" r:id="rId12"/>
+    <p:sldId id="264" r:id="rId13"/>
+    <p:sldId id="265" r:id="rId14"/>
+    <p:sldId id="266" r:id="rId15"/>
+    <p:sldId id="267" r:id="rId16"/>
   </p:sldIdLst>
-  <p:sldSz cx="18288000" cy="10287000"/>
+  <p:sldSz cy="10287000" cx="18288000"/>
   <p:notesSz cx="18288000" cy="10287000"/>
   <p:defaultTextStyle>
-    <a:defPPr>
+    <a:defPPr lvl="0">
       <a:defRPr kern="0"/>
     </a:defPPr>
+    <a:lvl1pPr lvl="0"/>
+    <a:lvl2pPr lvl="1"/>
+    <a:lvl3pPr lvl="2"/>
+    <a:lvl4pPr lvl="3"/>
+    <a:lvl5pPr lvl="4"/>
+    <a:lvl6pPr lvl="5"/>
+    <a:lvl7pPr lvl="6"/>
+    <a:lvl8pPr lvl="7"/>
+    <a:lvl9pPr lvl="8"/>
   </p:defaultTextStyle>
   <p:extLst>
     <p:ext uri="{EFAFB233-063F-42B5-8137-9DF3F51BA10A}">
-      <p15:sldGuideLst xmlns:p15="http://schemas.microsoft.com/office/powerpoint/2012/main">
+      <p15:sldGuideLst>
         <p15:guide id="1" orient="horz" pos="2880">
           <p15:clr>
             <a:srgbClr val="A4A3A4"/>
@@ -42,6 +51,30 @@
     </p:ext>
   </p:extLst>
 </p:presentation>
+</file>
+
+<file path=ppt/presProps1.xml><?xml version="1.0" encoding="utf-8"?>
+<p:presentationPr xmlns:a="http://schemas.openxmlformats.org/drawingml/2006/main" xmlns:r="http://schemas.openxmlformats.org/officeDocument/2006/relationships" xmlns:mc="http://schemas.openxmlformats.org/markup-compatibility/2006" xmlns:mv="urn:schemas-microsoft-com:mac:vml" xmlns:p="http://schemas.openxmlformats.org/presentationml/2006/main" xmlns:c="http://schemas.openxmlformats.org/drawingml/2006/chart" xmlns:dgm="http://schemas.openxmlformats.org/drawingml/2006/diagram" xmlns:o="urn:schemas-microsoft-com:office:office" xmlns:v="urn:schemas-microsoft-com:vml" xmlns:pvml="urn:schemas-microsoft-com:office:powerpoint" xmlns:com="http://schemas.openxmlformats.org/drawingml/2006/compatibility" xmlns:p14="http://schemas.microsoft.com/office/powerpoint/2010/main" xmlns:p15="http://schemas.microsoft.com/office/powerpoint/2012/main" xmlns:ahyp="http://schemas.microsoft.com/office/drawing/2018/hyperlinkcolor"/>
+</file>
+
+<file path=ppt/viewProps1.xml><?xml version="1.0" encoding="utf-8"?>
+<p:viewPr xmlns:a="http://schemas.openxmlformats.org/drawingml/2006/main" xmlns:r="http://schemas.openxmlformats.org/officeDocument/2006/relationships" xmlns:mc="http://schemas.openxmlformats.org/markup-compatibility/2006" xmlns:mv="urn:schemas-microsoft-com:mac:vml" xmlns:p="http://schemas.openxmlformats.org/presentationml/2006/main" xmlns:c="http://schemas.openxmlformats.org/drawingml/2006/chart" xmlns:dgm="http://schemas.openxmlformats.org/drawingml/2006/diagram" xmlns:o="urn:schemas-microsoft-com:office:office" xmlns:v="urn:schemas-microsoft-com:vml" xmlns:pvml="urn:schemas-microsoft-com:office:powerpoint" xmlns:com="http://schemas.openxmlformats.org/drawingml/2006/compatibility" xmlns:p14="http://schemas.microsoft.com/office/powerpoint/2010/main" xmlns:p15="http://schemas.microsoft.com/office/powerpoint/2012/main" xmlns:ahyp="http://schemas.microsoft.com/office/drawing/2018/hyperlinkcolor" showComments="0">
+  <p:slideViewPr>
+    <p:cSldViewPr snapToGrid="0">
+      <p:cViewPr varScale="1">
+        <p:scale>
+          <a:sx n="100" d="100"/>
+          <a:sy n="100" d="100"/>
+        </p:scale>
+        <p:origin x="0" y="0"/>
+      </p:cViewPr>
+      <p:guideLst>
+        <p:guide pos="2880" orient="horz"/>
+        <p:guide pos="2160"/>
+      </p:guideLst>
+    </p:cSldViewPr>
+  </p:slideViewPr>
+</p:viewPr>
 </file>
 
 <file path=ppt/slideLayouts/slideLayout1.xml><?xml version="1.0" encoding="utf-8"?>
@@ -266,7 +299,7 @@
           <a:p>
             <a:fld id="{1D8BD707-D9CF-40AE-B4C6-C98DA3205C09}" type="datetimeFigureOut">
               <a:rPr lang="en-US"/>
-              <a:t>10/29/2025</a:t>
+              <a:t>10/30/2025</a:t>
             </a:fld>
             <a:endParaRPr lang="en-US"/>
           </a:p>
@@ -523,7 +556,7 @@
           <a:p>
             <a:fld id="{1D8BD707-D9CF-40AE-B4C6-C98DA3205C09}" type="datetimeFigureOut">
               <a:rPr lang="en-US"/>
-              <a:t>10/29/2025</a:t>
+              <a:t>10/30/2025</a:t>
             </a:fld>
             <a:endParaRPr lang="en-US"/>
           </a:p>
@@ -817,7 +850,7 @@
           <a:p>
             <a:fld id="{1D8BD707-D9CF-40AE-B4C6-C98DA3205C09}" type="datetimeFigureOut">
               <a:rPr lang="en-US"/>
-              <a:t>10/29/2025</a:t>
+              <a:t>10/30/2025</a:t>
             </a:fld>
             <a:endParaRPr lang="en-US"/>
           </a:p>
@@ -1045,7 +1078,7 @@
           <a:p>
             <a:fld id="{1D8BD707-D9CF-40AE-B4C6-C98DA3205C09}" type="datetimeFigureOut">
               <a:rPr lang="en-US"/>
-              <a:t>10/29/2025</a:t>
+              <a:t>10/30/2025</a:t>
             </a:fld>
             <a:endParaRPr lang="en-US"/>
           </a:p>
@@ -1244,7 +1277,7 @@
           <a:p>
             <a:fld id="{1D8BD707-D9CF-40AE-B4C6-C98DA3205C09}" type="datetimeFigureOut">
               <a:rPr lang="en-US"/>
-              <a:t>10/29/2025</a:t>
+              <a:t>10/30/2025</a:t>
             </a:fld>
             <a:endParaRPr lang="en-US"/>
           </a:p>
@@ -1621,7 +1654,7 @@
           <a:p>
             <a:fld id="{1D8BD707-D9CF-40AE-B4C6-C98DA3205C09}" type="datetimeFigureOut">
               <a:rPr lang="en-US"/>
-              <a:t>10/29/2025</a:t>
+              <a:t>10/30/2025</a:t>
             </a:fld>
             <a:endParaRPr lang="en-US"/>
           </a:p>
@@ -2051,7 +2084,7 @@
         <p:spPr>
           <a:xfrm>
             <a:off x="1172269" y="7647398"/>
-            <a:ext cx="5570855" cy="574040"/>
+            <a:ext cx="6371531" cy="566822"/>
           </a:xfrm>
           <a:prstGeom prst="rect">
             <a:avLst/>
@@ -2083,7 +2116,47 @@
                 <a:latin typeface="Verdana"/>
                 <a:cs typeface="Verdana"/>
               </a:rPr>
-              <a:t>MR.</a:t>
+              <a:t>MR</a:t>
+            </a:r>
+            <a:r>
+              <a:rPr lang="en-IN" sz="3600" b="1" spc="-25" dirty="0">
+                <a:solidFill>
+                  <a:srgbClr val="FF0000"/>
+                </a:solidFill>
+                <a:latin typeface="Verdana"/>
+                <a:cs typeface="Verdana"/>
+              </a:rPr>
+              <a:t>S. </a:t>
+            </a:r>
+            <a:r>
+              <a:rPr lang="en-IN" sz="3600" b="1" spc="-10" dirty="0">
+                <a:solidFill>
+                  <a:srgbClr val="FF0000"/>
+                </a:solidFill>
+                <a:latin typeface="Verdana"/>
+                <a:cs typeface="Verdana"/>
+              </a:rPr>
+              <a:t>SELVARANI </a:t>
+            </a:r>
+            <a:r>
+              <a:rPr lang="en-IN" sz="3600" b="1" spc="-50" dirty="0">
+                <a:solidFill>
+                  <a:srgbClr val="FF0000"/>
+                </a:solidFill>
+                <a:latin typeface="Verdana"/>
+                <a:cs typeface="Verdana"/>
+              </a:rPr>
+              <a:t>K</a:t>
+            </a:r>
+            <a:r>
+              <a:rPr lang="en-IN" sz="3600" b="1" spc="-25" dirty="0">
+                <a:solidFill>
+                  <a:srgbClr val="FF0000"/>
+                </a:solidFill>
+                <a:latin typeface="Verdana"/>
+                <a:cs typeface="Verdana"/>
+              </a:rPr>
+              <a:t> </a:t>
             </a:r>
             <a:r>
               <a:rPr sz="3600" b="1" dirty="0">
@@ -2095,37 +2168,7 @@
               </a:rPr>
               <a:t>	</a:t>
             </a:r>
-            <a:r>
-              <a:rPr sz="3600" b="1" spc="-10" dirty="0">
-                <a:solidFill>
-                  <a:srgbClr val="FF0000"/>
-                </a:solidFill>
-                <a:latin typeface="Verdana"/>
-                <a:cs typeface="Verdana"/>
-              </a:rPr>
-              <a:t>SUBRAMANIAN</a:t>
-            </a:r>
-            <a:r>
-              <a:rPr sz="3600" b="1" dirty="0">
-                <a:solidFill>
-                  <a:srgbClr val="FF0000"/>
-                </a:solidFill>
-                <a:latin typeface="Verdana"/>
-                <a:cs typeface="Verdana"/>
-              </a:rPr>
-              <a:t>	</a:t>
-            </a:r>
-            <a:r>
-              <a:rPr sz="3600" b="1" spc="-50" dirty="0">
-                <a:solidFill>
-                  <a:srgbClr val="FF0000"/>
-                </a:solidFill>
-                <a:latin typeface="Verdana"/>
-                <a:cs typeface="Verdana"/>
-              </a:rPr>
-              <a:t>K</a:t>
-            </a:r>
-            <a:endParaRPr sz="3600">
+            <a:endParaRPr sz="3600" dirty="0">
               <a:latin typeface="Verdana"/>
               <a:cs typeface="Verdana"/>
             </a:endParaRPr>
